--- a/003_React/lesson_21/Presentation/React_events.pptx
+++ b/003_React/lesson_21/Presentation/React_events.pptx
@@ -5,7 +5,7 @@
     <p:sldMasterId id="2147483662" r:id="rId1"/>
   </p:sldMasterIdLst>
   <p:sldIdLst>
-    <p:sldId id="257" r:id="rId2"/>
+    <p:sldId id="264" r:id="rId2"/>
     <p:sldId id="258" r:id="rId3"/>
     <p:sldId id="260" r:id="rId4"/>
     <p:sldId id="263" r:id="rId5"/>
@@ -619,7 +619,7 @@
     </p:spTree>
     <p:extLst>
       <p:ext uri="{BB962C8B-B14F-4D97-AF65-F5344CB8AC3E}">
-        <p14:creationId xmlns="" xmlns:p14="http://schemas.microsoft.com/office/powerpoint/2010/main" val="3537187278"/>
+        <p14:creationId xmlns:p14="http://schemas.microsoft.com/office/powerpoint/2010/main" xmlns="" val="3537187278"/>
       </p:ext>
     </p:extLst>
   </p:cSld>
@@ -665,7 +665,7 @@
           <a:blip r:embed="rId2" cstate="print">
             <a:extLst>
               <a:ext uri="{28A0092B-C50C-407E-A947-70E740481C1C}">
-                <a14:useLocalDpi xmlns="" xmlns:a14="http://schemas.microsoft.com/office/drawing/2010/main" val="0"/>
+                <a14:useLocalDpi xmlns:a14="http://schemas.microsoft.com/office/drawing/2010/main" xmlns="" val="0"/>
               </a:ext>
             </a:extLst>
           </a:blip>
@@ -689,14 +689,14 @@
           <a:effectLst/>
           <a:extLst>
             <a:ext uri="{909E8E84-426E-40DD-AFC4-6F175D3DCCD1}">
-              <a14:hiddenFill xmlns="" xmlns:a14="http://schemas.microsoft.com/office/drawing/2010/main">
+              <a14:hiddenFill xmlns:a14="http://schemas.microsoft.com/office/drawing/2010/main" xmlns="">
                 <a:solidFill>
                   <a:schemeClr val="accent1"/>
                 </a:solidFill>
               </a14:hiddenFill>
             </a:ext>
             <a:ext uri="{91240B29-F687-4F45-9708-019B960494DF}">
-              <a14:hiddenLine xmlns="" xmlns:a14="http://schemas.microsoft.com/office/drawing/2010/main" w="9525">
+              <a14:hiddenLine xmlns:a14="http://schemas.microsoft.com/office/drawing/2010/main" xmlns="" w="9525">
                 <a:solidFill>
                   <a:schemeClr val="tx1"/>
                 </a:solidFill>
@@ -706,7 +706,7 @@
               </a14:hiddenLine>
             </a:ext>
             <a:ext uri="{AF507438-7753-43E0-B8FC-AC1667EBCBE1}">
-              <a14:hiddenEffects xmlns="" xmlns:a14="http://schemas.microsoft.com/office/drawing/2010/main">
+              <a14:hiddenEffects xmlns:a14="http://schemas.microsoft.com/office/drawing/2010/main" xmlns="">
                 <a:effectLst>
                   <a:outerShdw dist="35921" dir="2700000" algn="ctr" rotWithShape="0">
                     <a:schemeClr val="bg2"/>
@@ -847,7 +847,7 @@
     </p:spTree>
     <p:extLst>
       <p:ext uri="{BB962C8B-B14F-4D97-AF65-F5344CB8AC3E}">
-        <p14:creationId xmlns="" xmlns:p14="http://schemas.microsoft.com/office/powerpoint/2010/main" val="2097366919"/>
+        <p14:creationId xmlns:p14="http://schemas.microsoft.com/office/powerpoint/2010/main" xmlns="" val="2097366919"/>
       </p:ext>
     </p:extLst>
   </p:cSld>
@@ -1369,7 +1369,7 @@
     </p:spTree>
     <p:extLst>
       <p:ext uri="{BB962C8B-B14F-4D97-AF65-F5344CB8AC3E}">
-        <p14:creationId xmlns="" xmlns:p14="http://schemas.microsoft.com/office/powerpoint/2010/main" val="3537187278"/>
+        <p14:creationId xmlns:p14="http://schemas.microsoft.com/office/powerpoint/2010/main" xmlns="" val="3537187278"/>
       </p:ext>
     </p:extLst>
   </p:cSld>
@@ -1437,7 +1437,7 @@
     </p:spTree>
     <p:extLst>
       <p:ext uri="{BB962C8B-B14F-4D97-AF65-F5344CB8AC3E}">
-        <p14:creationId xmlns="" xmlns:p14="http://schemas.microsoft.com/office/powerpoint/2010/main" val="779007194"/>
+        <p14:creationId xmlns:p14="http://schemas.microsoft.com/office/powerpoint/2010/main" xmlns="" val="779007194"/>
       </p:ext>
     </p:extLst>
   </p:cSld>
@@ -1793,7 +1793,7 @@
           <a:lstStyle/>
           <a:p>
             <a:r>
-              <a:rPr lang="en-US" sz="2700" dirty="0" smtClean="0">
+              <a:rPr lang="en-US" sz="2700" dirty="0">
                 <a:solidFill>
                   <a:schemeClr val="bg1"/>
                 </a:solidFill>
@@ -1801,18 +1801,7 @@
                 <a:ea typeface="Roboto Thin" panose="02000000000000000000" pitchFamily="2" charset="0"/>
                 <a:cs typeface="Roboto Thin" panose="02000000000000000000" pitchFamily="2" charset="0"/>
               </a:rPr>
-              <a:t>React </a:t>
-            </a:r>
-            <a:r>
-              <a:rPr lang="en-US" sz="2700" dirty="0" smtClean="0">
-                <a:solidFill>
-                  <a:schemeClr val="bg1"/>
-                </a:solidFill>
-                <a:latin typeface="Roboto Thin" panose="02000000000000000000" pitchFamily="2" charset="0"/>
-                <a:ea typeface="Roboto Thin" panose="02000000000000000000" pitchFamily="2" charset="0"/>
-                <a:cs typeface="Roboto Thin" panose="02000000000000000000" pitchFamily="2" charset="0"/>
-              </a:rPr>
-              <a:t>JS</a:t>
+              <a:t>React JS</a:t>
             </a:r>
             <a:endParaRPr lang="en-US" dirty="0">
               <a:solidFill>
@@ -1825,241 +1814,6 @@
           </a:p>
         </p:txBody>
       </p:sp>
-      <p:sp>
-        <p:nvSpPr>
-          <p:cNvPr id="6" name="Subtitle 2"/>
-          <p:cNvSpPr txBox="1">
-            <a:spLocks/>
-          </p:cNvSpPr>
-          <p:nvPr/>
-        </p:nvSpPr>
-        <p:spPr>
-          <a:xfrm>
-            <a:off x="806449" y="1281006"/>
-            <a:ext cx="6322695" cy="507831"/>
-          </a:xfrm>
-          <a:prstGeom prst="rect">
-            <a:avLst/>
-          </a:prstGeom>
-        </p:spPr>
-        <p:txBody>
-          <a:bodyPr wrap="square">
-            <a:spAutoFit/>
-          </a:bodyPr>
-          <a:lstStyle>
-            <a:lvl1pPr marL="0" indent="0" algn="l" defTabSz="914400" rtl="0" eaLnBrk="1" latinLnBrk="0" hangingPunct="1">
-              <a:spcBef>
-                <a:spcPct val="20000"/>
-              </a:spcBef>
-              <a:buFont typeface="Arial" pitchFamily="34" charset="0"/>
-              <a:buNone/>
-              <a:defRPr sz="3200" kern="1200">
-                <a:solidFill>
-                  <a:schemeClr val="tx1">
-                    <a:tint val="75000"/>
-                  </a:schemeClr>
-                </a:solidFill>
-                <a:latin typeface="+mj-lt"/>
-                <a:ea typeface="+mn-ea"/>
-                <a:cs typeface="+mn-cs"/>
-              </a:defRPr>
-            </a:lvl1pPr>
-            <a:lvl2pPr marL="457200" indent="0" algn="ctr" defTabSz="914400" rtl="0" eaLnBrk="1" latinLnBrk="0" hangingPunct="1">
-              <a:spcBef>
-                <a:spcPct val="20000"/>
-              </a:spcBef>
-              <a:buFont typeface="Arial" pitchFamily="34" charset="0"/>
-              <a:buNone/>
-              <a:defRPr sz="2800" kern="1200">
-                <a:solidFill>
-                  <a:schemeClr val="tx1">
-                    <a:tint val="75000"/>
-                  </a:schemeClr>
-                </a:solidFill>
-                <a:latin typeface="+mn-lt"/>
-                <a:ea typeface="+mn-ea"/>
-                <a:cs typeface="+mn-cs"/>
-              </a:defRPr>
-            </a:lvl2pPr>
-            <a:lvl3pPr marL="914400" indent="0" algn="ctr" defTabSz="914400" rtl="0" eaLnBrk="1" latinLnBrk="0" hangingPunct="1">
-              <a:spcBef>
-                <a:spcPct val="20000"/>
-              </a:spcBef>
-              <a:buFont typeface="Arial" pitchFamily="34" charset="0"/>
-              <a:buNone/>
-              <a:defRPr sz="2400" kern="1200">
-                <a:solidFill>
-                  <a:schemeClr val="tx1">
-                    <a:tint val="75000"/>
-                  </a:schemeClr>
-                </a:solidFill>
-                <a:latin typeface="+mn-lt"/>
-                <a:ea typeface="+mn-ea"/>
-                <a:cs typeface="+mn-cs"/>
-              </a:defRPr>
-            </a:lvl3pPr>
-            <a:lvl4pPr marL="1371600" indent="0" algn="ctr" defTabSz="914400" rtl="0" eaLnBrk="1" latinLnBrk="0" hangingPunct="1">
-              <a:spcBef>
-                <a:spcPct val="20000"/>
-              </a:spcBef>
-              <a:buFont typeface="Arial" pitchFamily="34" charset="0"/>
-              <a:buNone/>
-              <a:defRPr sz="2000" kern="1200">
-                <a:solidFill>
-                  <a:schemeClr val="tx1">
-                    <a:tint val="75000"/>
-                  </a:schemeClr>
-                </a:solidFill>
-                <a:latin typeface="+mn-lt"/>
-                <a:ea typeface="+mn-ea"/>
-                <a:cs typeface="+mn-cs"/>
-              </a:defRPr>
-            </a:lvl4pPr>
-            <a:lvl5pPr marL="1828800" indent="0" algn="ctr" defTabSz="914400" rtl="0" eaLnBrk="1" latinLnBrk="0" hangingPunct="1">
-              <a:spcBef>
-                <a:spcPct val="20000"/>
-              </a:spcBef>
-              <a:buFont typeface="Arial" pitchFamily="34" charset="0"/>
-              <a:buNone/>
-              <a:defRPr sz="2000" kern="1200">
-                <a:solidFill>
-                  <a:schemeClr val="tx1">
-                    <a:tint val="75000"/>
-                  </a:schemeClr>
-                </a:solidFill>
-                <a:latin typeface="+mn-lt"/>
-                <a:ea typeface="+mn-ea"/>
-                <a:cs typeface="+mn-cs"/>
-              </a:defRPr>
-            </a:lvl5pPr>
-            <a:lvl6pPr marL="2286000" indent="0" algn="ctr" defTabSz="914400" rtl="0" eaLnBrk="1" latinLnBrk="0" hangingPunct="1">
-              <a:spcBef>
-                <a:spcPct val="20000"/>
-              </a:spcBef>
-              <a:buFont typeface="Arial" pitchFamily="34" charset="0"/>
-              <a:buNone/>
-              <a:defRPr sz="2000" kern="1200">
-                <a:solidFill>
-                  <a:schemeClr val="tx1">
-                    <a:tint val="75000"/>
-                  </a:schemeClr>
-                </a:solidFill>
-                <a:latin typeface="+mn-lt"/>
-                <a:ea typeface="+mn-ea"/>
-                <a:cs typeface="+mn-cs"/>
-              </a:defRPr>
-            </a:lvl6pPr>
-            <a:lvl7pPr marL="2743200" indent="0" algn="ctr" defTabSz="914400" rtl="0" eaLnBrk="1" latinLnBrk="0" hangingPunct="1">
-              <a:spcBef>
-                <a:spcPct val="20000"/>
-              </a:spcBef>
-              <a:buFont typeface="Arial" pitchFamily="34" charset="0"/>
-              <a:buNone/>
-              <a:defRPr sz="2000" kern="1200">
-                <a:solidFill>
-                  <a:schemeClr val="tx1">
-                    <a:tint val="75000"/>
-                  </a:schemeClr>
-                </a:solidFill>
-                <a:latin typeface="+mn-lt"/>
-                <a:ea typeface="+mn-ea"/>
-                <a:cs typeface="+mn-cs"/>
-              </a:defRPr>
-            </a:lvl7pPr>
-            <a:lvl8pPr marL="3200400" indent="0" algn="ctr" defTabSz="914400" rtl="0" eaLnBrk="1" latinLnBrk="0" hangingPunct="1">
-              <a:spcBef>
-                <a:spcPct val="20000"/>
-              </a:spcBef>
-              <a:buFont typeface="Arial" pitchFamily="34" charset="0"/>
-              <a:buNone/>
-              <a:defRPr sz="2000" kern="1200">
-                <a:solidFill>
-                  <a:schemeClr val="tx1">
-                    <a:tint val="75000"/>
-                  </a:schemeClr>
-                </a:solidFill>
-                <a:latin typeface="+mn-lt"/>
-                <a:ea typeface="+mn-ea"/>
-                <a:cs typeface="+mn-cs"/>
-              </a:defRPr>
-            </a:lvl8pPr>
-            <a:lvl9pPr marL="3657600" indent="0" algn="ctr" defTabSz="914400" rtl="0" eaLnBrk="1" latinLnBrk="0" hangingPunct="1">
-              <a:spcBef>
-                <a:spcPct val="20000"/>
-              </a:spcBef>
-              <a:buFont typeface="Arial" pitchFamily="34" charset="0"/>
-              <a:buNone/>
-              <a:defRPr sz="2000" kern="1200">
-                <a:solidFill>
-                  <a:schemeClr val="tx1">
-                    <a:tint val="75000"/>
-                  </a:schemeClr>
-                </a:solidFill>
-                <a:latin typeface="+mn-lt"/>
-                <a:ea typeface="+mn-ea"/>
-                <a:cs typeface="+mn-cs"/>
-              </a:defRPr>
-            </a:lvl9pPr>
-          </a:lstStyle>
-          <a:p>
-            <a:r>
-              <a:rPr lang="en-US" sz="2700" dirty="0">
-                <a:solidFill>
-                  <a:schemeClr val="tx1">
-                    <a:lumMod val="90000"/>
-                    <a:lumOff val="10000"/>
-                  </a:schemeClr>
-                </a:solidFill>
-                <a:latin typeface="Roboto Light" panose="02000000000000000000" pitchFamily="2" charset="0"/>
-                <a:ea typeface="Roboto Light" panose="02000000000000000000" pitchFamily="2" charset="0"/>
-                <a:cs typeface="Roboto Light" panose="02000000000000000000" pitchFamily="2" charset="0"/>
-              </a:rPr>
-              <a:t>The JavaScript Programming Language</a:t>
-            </a:r>
-          </a:p>
-        </p:txBody>
-      </p:sp>
-      <p:pic>
-        <p:nvPicPr>
-          <p:cNvPr id="1028" name="Picture 4" descr="C:\Users\Darick\Desktop\Mmww2.png"/>
-          <p:cNvPicPr>
-            <a:picLocks noChangeAspect="1" noChangeArrowheads="1"/>
-          </p:cNvPicPr>
-          <p:nvPr/>
-        </p:nvPicPr>
-        <p:blipFill>
-          <a:blip r:embed="rId2" cstate="print">
-            <a:extLst>
-              <a:ext uri="{28A0092B-C50C-407E-A947-70E740481C1C}">
-                <a14:useLocalDpi xmlns="" xmlns:a14="http://schemas.microsoft.com/office/drawing/2010/main" val="0"/>
-              </a:ext>
-            </a:extLst>
-          </a:blip>
-          <a:srcRect/>
-          <a:stretch>
-            <a:fillRect/>
-          </a:stretch>
-        </p:blipFill>
-        <p:spPr bwMode="auto">
-          <a:xfrm>
-            <a:off x="1" y="698501"/>
-            <a:ext cx="809625" cy="1079500"/>
-          </a:xfrm>
-          <a:prstGeom prst="rect">
-            <a:avLst/>
-          </a:prstGeom>
-          <a:noFill/>
-          <a:extLst>
-            <a:ext uri="{909E8E84-426E-40DD-AFC4-6F175D3DCCD1}">
-              <a14:hiddenFill xmlns="" xmlns:a14="http://schemas.microsoft.com/office/drawing/2010/main">
-                <a:solidFill>
-                  <a:srgbClr val="FFFFFF"/>
-                </a:solidFill>
-              </a14:hiddenFill>
-            </a:ext>
-          </a:extLst>
-        </p:spPr>
-      </p:pic>
       <p:sp>
         <p:nvSpPr>
           <p:cNvPr id="5" name="TextBox 4"/>
@@ -2087,25 +1841,46 @@
                 <a:solidFill>
                   <a:srgbClr val="7564BC"/>
                 </a:solidFill>
-              </a:rPr>
-              <a:t>События в </a:t>
-            </a:r>
-            <a:r>
-              <a:rPr lang="en-US" sz="4400" dirty="0" err="1" smtClean="0">
-                <a:solidFill>
-                  <a:srgbClr val="7564BC"/>
-                </a:solidFill>
-              </a:rPr>
-              <a:t>ReactJS</a:t>
-            </a:r>
-            <a:endParaRPr lang="en-US" dirty="0"/>
+                <a:latin typeface="Calibri" panose="020F0502020204030204" pitchFamily="34" charset="0"/>
+              </a:rPr>
+              <a:t>События</a:t>
+            </a:r>
+            <a:endParaRPr lang="en-US" dirty="0">
+              <a:latin typeface="Calibri" panose="020F0502020204030204" pitchFamily="34" charset="0"/>
+            </a:endParaRPr>
           </a:p>
         </p:txBody>
       </p:sp>
+      <p:pic>
+        <p:nvPicPr>
+          <p:cNvPr id="8" name="Picture 7" descr="http://moduscreate.com/wp-content/uploads/2014/03/react-opti.png"/>
+          <p:cNvPicPr>
+            <a:picLocks noChangeAspect="1" noChangeArrowheads="1"/>
+          </p:cNvPicPr>
+          <p:nvPr/>
+        </p:nvPicPr>
+        <p:blipFill>
+          <a:blip r:embed="rId2" cstate="print"/>
+          <a:srcRect/>
+          <a:stretch>
+            <a:fillRect/>
+          </a:stretch>
+        </p:blipFill>
+        <p:spPr bwMode="auto">
+          <a:xfrm>
+            <a:off x="976312" y="1556792"/>
+            <a:ext cx="3613398" cy="1005729"/>
+          </a:xfrm>
+          <a:prstGeom prst="rect">
+            <a:avLst/>
+          </a:prstGeom>
+          <a:noFill/>
+        </p:spPr>
+      </p:pic>
     </p:spTree>
     <p:extLst>
       <p:ext uri="{BB962C8B-B14F-4D97-AF65-F5344CB8AC3E}">
-        <p14:creationId xmlns="" xmlns:p14="http://schemas.microsoft.com/office/powerpoint/2010/main" val="3436223543"/>
+        <p14:creationId xmlns:p14="http://schemas.microsoft.com/office/powerpoint/2010/main" xmlns="" val="3436223543"/>
       </p:ext>
     </p:extLst>
   </p:cSld>
@@ -2148,12 +1923,12 @@
           <a:lstStyle/>
           <a:p>
             <a:r>
-              <a:rPr lang="en-US" dirty="0" smtClean="0">
+              <a:rPr lang="en-US" sz="2800" dirty="0" smtClean="0">
                 <a:latin typeface="Calibri" pitchFamily="34" charset="0"/>
               </a:rPr>
               <a:t>Synthetic Event </a:t>
             </a:r>
-            <a:endParaRPr lang="uk-UA" dirty="0">
+            <a:endParaRPr lang="uk-UA" sz="2800" dirty="0">
               <a:latin typeface="Calibri" pitchFamily="34" charset="0"/>
             </a:endParaRPr>
           </a:p>
@@ -2168,7 +1943,7 @@
         <p:spPr>
           <a:xfrm>
             <a:off x="683568" y="1340768"/>
-            <a:ext cx="7704856" cy="2185214"/>
+            <a:ext cx="7704856" cy="2031325"/>
           </a:xfrm>
           <a:prstGeom prst="rect">
             <a:avLst/>
@@ -2182,98 +1957,98 @@
           <a:lstStyle/>
           <a:p>
             <a:r>
-              <a:rPr lang="ru-RU" sz="2000" dirty="0" smtClean="0">
+              <a:rPr lang="ru-RU" dirty="0" smtClean="0">
                 <a:latin typeface="Calibri" pitchFamily="34" charset="0"/>
               </a:rPr>
               <a:t>События в </a:t>
             </a:r>
             <a:r>
-              <a:rPr lang="en-US" sz="2000" dirty="0" err="1" smtClean="0">
+              <a:rPr lang="en-US" dirty="0" err="1" smtClean="0">
                 <a:latin typeface="Calibri" pitchFamily="34" charset="0"/>
               </a:rPr>
               <a:t>ReactJS</a:t>
             </a:r>
             <a:r>
-              <a:rPr lang="en-US" sz="2000" dirty="0" smtClean="0">
-                <a:latin typeface="Calibri" pitchFamily="34" charset="0"/>
-              </a:rPr>
-              <a:t> </a:t>
-            </a:r>
-            <a:r>
-              <a:rPr lang="ru-RU" sz="2000" dirty="0" smtClean="0">
+              <a:rPr lang="en-US" dirty="0" smtClean="0">
+                <a:latin typeface="Calibri" pitchFamily="34" charset="0"/>
+              </a:rPr>
+              <a:t> </a:t>
+            </a:r>
+            <a:r>
+              <a:rPr lang="ru-RU" dirty="0" smtClean="0">
                 <a:latin typeface="Calibri" pitchFamily="34" charset="0"/>
               </a:rPr>
               <a:t>представляют собой экземпляры синтетического события(</a:t>
             </a:r>
             <a:r>
-              <a:rPr lang="en-US" sz="2000" dirty="0" smtClean="0">
+              <a:rPr lang="en-US" dirty="0" smtClean="0">
                 <a:latin typeface="Calibri" pitchFamily="34" charset="0"/>
               </a:rPr>
               <a:t>Synthetic Event</a:t>
             </a:r>
             <a:r>
-              <a:rPr lang="ru-RU" sz="2000" dirty="0" smtClean="0">
+              <a:rPr lang="ru-RU" dirty="0" smtClean="0">
                 <a:latin typeface="Calibri" pitchFamily="34" charset="0"/>
               </a:rPr>
               <a:t>)</a:t>
             </a:r>
             <a:r>
-              <a:rPr lang="en-US" sz="2000" dirty="0" smtClean="0">
+              <a:rPr lang="en-US" dirty="0" smtClean="0">
                 <a:latin typeface="Calibri" pitchFamily="34" charset="0"/>
               </a:rPr>
               <a:t> – </a:t>
             </a:r>
             <a:r>
-              <a:rPr lang="ru-RU" sz="2000" dirty="0" err="1" smtClean="0">
+              <a:rPr lang="ru-RU" dirty="0" err="1" smtClean="0">
                 <a:latin typeface="Calibri" pitchFamily="34" charset="0"/>
               </a:rPr>
               <a:t>кроссбраузерной</a:t>
             </a:r>
             <a:r>
-              <a:rPr lang="ru-RU" sz="2000" dirty="0" smtClean="0">
+              <a:rPr lang="ru-RU" dirty="0" smtClean="0">
                 <a:latin typeface="Calibri" pitchFamily="34" charset="0"/>
               </a:rPr>
               <a:t> обертки над </a:t>
             </a:r>
             <a:r>
-              <a:rPr lang="ru-RU" sz="2000" dirty="0" err="1" smtClean="0">
+              <a:rPr lang="ru-RU" dirty="0" err="1" smtClean="0">
                 <a:latin typeface="Calibri" pitchFamily="34" charset="0"/>
               </a:rPr>
               <a:t>нативным</a:t>
             </a:r>
             <a:r>
-              <a:rPr lang="ru-RU" sz="2000" dirty="0" smtClean="0">
-                <a:latin typeface="Calibri" pitchFamily="34" charset="0"/>
-              </a:rPr>
-              <a:t> </a:t>
-            </a:r>
-            <a:r>
-              <a:rPr lang="ru-RU" sz="2000" dirty="0" err="1" smtClean="0">
+              <a:rPr lang="ru-RU" dirty="0" smtClean="0">
+                <a:latin typeface="Calibri" pitchFamily="34" charset="0"/>
+              </a:rPr>
+              <a:t> </a:t>
+            </a:r>
+            <a:r>
+              <a:rPr lang="ru-RU" dirty="0" err="1" smtClean="0">
                 <a:latin typeface="Calibri" pitchFamily="34" charset="0"/>
               </a:rPr>
               <a:t>браузерным</a:t>
             </a:r>
             <a:r>
-              <a:rPr lang="ru-RU" sz="2000" dirty="0" smtClean="0">
+              <a:rPr lang="ru-RU" dirty="0" smtClean="0">
                 <a:latin typeface="Calibri" pitchFamily="34" charset="0"/>
               </a:rPr>
               <a:t> событием. </a:t>
             </a:r>
           </a:p>
           <a:p>
-            <a:endParaRPr lang="ru-RU" sz="2000" dirty="0" smtClean="0">
+            <a:endParaRPr lang="ru-RU" dirty="0" smtClean="0">
               <a:latin typeface="Calibri" pitchFamily="34" charset="0"/>
             </a:endParaRPr>
           </a:p>
           <a:p>
             <a:r>
-              <a:rPr lang="ru-RU" sz="2000" dirty="0" smtClean="0">
+              <a:rPr lang="ru-RU" dirty="0" smtClean="0">
                 <a:latin typeface="Calibri" pitchFamily="34" charset="0"/>
               </a:rPr>
               <a:t>Свойства </a:t>
             </a:r>
             <a:r>
-              <a:rPr lang="en-US" sz="2000" dirty="0" smtClean="0">
+              <a:rPr lang="en-US" dirty="0" smtClean="0">
                 <a:latin typeface="Calibri" pitchFamily="34" charset="0"/>
               </a:rPr>
               <a:t>Synthetic Event: </a:t>
@@ -2300,7 +2075,7 @@
         <p:spPr>
           <a:xfrm>
             <a:off x="683568" y="3356992"/>
-            <a:ext cx="3960440" cy="2246769"/>
+            <a:ext cx="3960440" cy="2031325"/>
           </a:xfrm>
           <a:prstGeom prst="rect">
             <a:avLst/>
@@ -2314,187 +2089,187 @@
           <a:lstStyle/>
           <a:p>
             <a:r>
-              <a:rPr lang="en-US" sz="2000" dirty="0" err="1">
+              <a:rPr lang="en-US" dirty="0" err="1">
                 <a:latin typeface="Calibri" pitchFamily="34" charset="0"/>
               </a:rPr>
               <a:t>boolean</a:t>
             </a:r>
             <a:r>
-              <a:rPr lang="en-US" sz="2000" dirty="0">
-                <a:latin typeface="Calibri" pitchFamily="34" charset="0"/>
-              </a:rPr>
-              <a:t> </a:t>
-            </a:r>
-            <a:r>
-              <a:rPr lang="en-US" sz="2000" b="1" dirty="0">
+              <a:rPr lang="en-US" dirty="0">
+                <a:latin typeface="Calibri" pitchFamily="34" charset="0"/>
+              </a:rPr>
+              <a:t> </a:t>
+            </a:r>
+            <a:r>
+              <a:rPr lang="en-US" b="1" dirty="0">
                 <a:latin typeface="Calibri" pitchFamily="34" charset="0"/>
               </a:rPr>
               <a:t>bubbles </a:t>
             </a:r>
-            <a:endParaRPr lang="en-US" sz="2000" b="1" dirty="0" smtClean="0">
+            <a:endParaRPr lang="en-US" b="1" dirty="0" smtClean="0">
               <a:latin typeface="Calibri" pitchFamily="34" charset="0"/>
             </a:endParaRPr>
           </a:p>
           <a:p>
             <a:r>
-              <a:rPr lang="en-US" sz="2000" dirty="0" err="1" smtClean="0">
+              <a:rPr lang="en-US" dirty="0" err="1" smtClean="0">
                 <a:latin typeface="Calibri" pitchFamily="34" charset="0"/>
               </a:rPr>
               <a:t>boolean</a:t>
             </a:r>
             <a:r>
-              <a:rPr lang="en-US" sz="2000" dirty="0" smtClean="0">
-                <a:latin typeface="Calibri" pitchFamily="34" charset="0"/>
-              </a:rPr>
-              <a:t> </a:t>
-            </a:r>
-            <a:r>
-              <a:rPr lang="en-US" sz="2000" b="1" dirty="0">
+              <a:rPr lang="en-US" dirty="0" smtClean="0">
+                <a:latin typeface="Calibri" pitchFamily="34" charset="0"/>
+              </a:rPr>
+              <a:t> </a:t>
+            </a:r>
+            <a:r>
+              <a:rPr lang="en-US" b="1" dirty="0">
                 <a:latin typeface="Calibri" pitchFamily="34" charset="0"/>
               </a:rPr>
               <a:t>cancelable </a:t>
             </a:r>
             <a:r>
-              <a:rPr lang="en-US" sz="2000" dirty="0" err="1">
+              <a:rPr lang="en-US" dirty="0" err="1">
                 <a:latin typeface="Calibri" pitchFamily="34" charset="0"/>
               </a:rPr>
               <a:t>DOMEventTarget</a:t>
             </a:r>
             <a:r>
-              <a:rPr lang="en-US" sz="2000" dirty="0">
-                <a:latin typeface="Calibri" pitchFamily="34" charset="0"/>
-              </a:rPr>
-              <a:t> </a:t>
-            </a:r>
-            <a:r>
-              <a:rPr lang="en-US" sz="2000" b="1" dirty="0" err="1" smtClean="0">
+              <a:rPr lang="en-US" dirty="0">
+                <a:latin typeface="Calibri" pitchFamily="34" charset="0"/>
+              </a:rPr>
+              <a:t> </a:t>
+            </a:r>
+            <a:r>
+              <a:rPr lang="en-US" b="1" dirty="0" err="1" smtClean="0">
                 <a:latin typeface="Calibri" pitchFamily="34" charset="0"/>
               </a:rPr>
               <a:t>currentTarget</a:t>
             </a:r>
-            <a:endParaRPr lang="en-US" sz="2000" b="1" dirty="0" smtClean="0">
+            <a:endParaRPr lang="en-US" b="1" dirty="0" smtClean="0">
               <a:latin typeface="Calibri" pitchFamily="34" charset="0"/>
             </a:endParaRPr>
           </a:p>
           <a:p>
             <a:r>
-              <a:rPr lang="en-US" sz="2000" dirty="0" smtClean="0">
-                <a:latin typeface="Calibri" pitchFamily="34" charset="0"/>
-              </a:rPr>
-              <a:t> </a:t>
-            </a:r>
-            <a:r>
-              <a:rPr lang="en-US" sz="2000" dirty="0" err="1" smtClean="0">
+              <a:rPr lang="en-US" dirty="0" smtClean="0">
+                <a:latin typeface="Calibri" pitchFamily="34" charset="0"/>
+              </a:rPr>
+              <a:t> </a:t>
+            </a:r>
+            <a:r>
+              <a:rPr lang="en-US" dirty="0" err="1" smtClean="0">
                 <a:latin typeface="Calibri" pitchFamily="34" charset="0"/>
               </a:rPr>
               <a:t>boolean</a:t>
             </a:r>
             <a:r>
-              <a:rPr lang="en-US" sz="2000" dirty="0" smtClean="0">
-                <a:latin typeface="Calibri" pitchFamily="34" charset="0"/>
-              </a:rPr>
-              <a:t> </a:t>
-            </a:r>
-            <a:r>
-              <a:rPr lang="en-US" sz="2000" b="1" dirty="0" err="1">
+              <a:rPr lang="en-US" dirty="0" smtClean="0">
+                <a:latin typeface="Calibri" pitchFamily="34" charset="0"/>
+              </a:rPr>
+              <a:t> </a:t>
+            </a:r>
+            <a:r>
+              <a:rPr lang="en-US" b="1" dirty="0" err="1">
                 <a:latin typeface="Calibri" pitchFamily="34" charset="0"/>
               </a:rPr>
               <a:t>defaultPrevented</a:t>
             </a:r>
             <a:r>
-              <a:rPr lang="en-US" sz="2000" b="1" dirty="0">
-                <a:latin typeface="Calibri" pitchFamily="34" charset="0"/>
-              </a:rPr>
-              <a:t> </a:t>
-            </a:r>
-            <a:endParaRPr lang="en-US" sz="2000" b="1" dirty="0" smtClean="0">
+              <a:rPr lang="en-US" b="1" dirty="0">
+                <a:latin typeface="Calibri" pitchFamily="34" charset="0"/>
+              </a:rPr>
+              <a:t> </a:t>
+            </a:r>
+            <a:endParaRPr lang="en-US" b="1" dirty="0" smtClean="0">
               <a:latin typeface="Calibri" pitchFamily="34" charset="0"/>
             </a:endParaRPr>
           </a:p>
           <a:p>
             <a:r>
-              <a:rPr lang="en-US" sz="2000" dirty="0" smtClean="0">
+              <a:rPr lang="en-US" dirty="0" smtClean="0">
                 <a:latin typeface="Calibri" pitchFamily="34" charset="0"/>
               </a:rPr>
               <a:t>number </a:t>
             </a:r>
             <a:r>
-              <a:rPr lang="en-US" sz="2000" b="1" dirty="0" err="1">
+              <a:rPr lang="en-US" b="1" dirty="0" err="1">
                 <a:latin typeface="Calibri" pitchFamily="34" charset="0"/>
               </a:rPr>
               <a:t>eventPhase</a:t>
             </a:r>
             <a:r>
-              <a:rPr lang="en-US" sz="2000" b="1" dirty="0">
-                <a:latin typeface="Calibri" pitchFamily="34" charset="0"/>
-              </a:rPr>
-              <a:t> </a:t>
-            </a:r>
-            <a:endParaRPr lang="en-US" sz="2000" b="1" dirty="0" smtClean="0">
+              <a:rPr lang="en-US" b="1" dirty="0">
+                <a:latin typeface="Calibri" pitchFamily="34" charset="0"/>
+              </a:rPr>
+              <a:t> </a:t>
+            </a:r>
+            <a:endParaRPr lang="en-US" b="1" dirty="0" smtClean="0">
               <a:latin typeface="Calibri" pitchFamily="34" charset="0"/>
             </a:endParaRPr>
           </a:p>
           <a:p>
             <a:r>
-              <a:rPr lang="en-US" sz="2000" dirty="0" err="1" smtClean="0">
+              <a:rPr lang="en-US" dirty="0" err="1" smtClean="0">
                 <a:latin typeface="Calibri" pitchFamily="34" charset="0"/>
               </a:rPr>
               <a:t>boolean</a:t>
             </a:r>
             <a:r>
-              <a:rPr lang="en-US" sz="2000" dirty="0" smtClean="0">
-                <a:latin typeface="Calibri" pitchFamily="34" charset="0"/>
-              </a:rPr>
-              <a:t> </a:t>
-            </a:r>
-            <a:r>
-              <a:rPr lang="en-US" sz="2000" dirty="0" err="1">
+              <a:rPr lang="en-US" dirty="0" smtClean="0">
+                <a:latin typeface="Calibri" pitchFamily="34" charset="0"/>
+              </a:rPr>
+              <a:t> </a:t>
+            </a:r>
+            <a:r>
+              <a:rPr lang="en-US" dirty="0" err="1">
                 <a:latin typeface="Calibri" pitchFamily="34" charset="0"/>
               </a:rPr>
               <a:t>i</a:t>
             </a:r>
             <a:r>
-              <a:rPr lang="en-US" sz="2000" b="1" dirty="0" err="1">
+              <a:rPr lang="en-US" b="1" dirty="0" err="1">
                 <a:latin typeface="Calibri" pitchFamily="34" charset="0"/>
               </a:rPr>
               <a:t>sTrusted</a:t>
             </a:r>
             <a:r>
-              <a:rPr lang="en-US" sz="2000" b="1" dirty="0">
-                <a:latin typeface="Calibri" pitchFamily="34" charset="0"/>
-              </a:rPr>
-              <a:t> </a:t>
-            </a:r>
-            <a:endParaRPr lang="en-US" sz="2000" b="1" dirty="0" smtClean="0">
+              <a:rPr lang="en-US" b="1" dirty="0">
+                <a:latin typeface="Calibri" pitchFamily="34" charset="0"/>
+              </a:rPr>
+              <a:t> </a:t>
+            </a:r>
+            <a:endParaRPr lang="en-US" b="1" dirty="0" smtClean="0">
               <a:latin typeface="Calibri" pitchFamily="34" charset="0"/>
             </a:endParaRPr>
           </a:p>
           <a:p>
             <a:r>
-              <a:rPr lang="en-US" sz="2000" dirty="0" err="1" smtClean="0">
+              <a:rPr lang="en-US" dirty="0" err="1" smtClean="0">
                 <a:latin typeface="Calibri" pitchFamily="34" charset="0"/>
               </a:rPr>
               <a:t>DOMEvent</a:t>
             </a:r>
             <a:r>
-              <a:rPr lang="en-US" sz="2000" dirty="0" smtClean="0">
-                <a:latin typeface="Calibri" pitchFamily="34" charset="0"/>
-              </a:rPr>
-              <a:t> </a:t>
-            </a:r>
-            <a:r>
-              <a:rPr lang="en-US" sz="2000" b="1" dirty="0" err="1">
+              <a:rPr lang="en-US" dirty="0" smtClean="0">
+                <a:latin typeface="Calibri" pitchFamily="34" charset="0"/>
+              </a:rPr>
+              <a:t> </a:t>
+            </a:r>
+            <a:r>
+              <a:rPr lang="en-US" b="1" dirty="0" err="1">
                 <a:latin typeface="Calibri" pitchFamily="34" charset="0"/>
               </a:rPr>
               <a:t>nativeEvent</a:t>
             </a:r>
             <a:r>
-              <a:rPr lang="en-US" sz="2000" b="1" dirty="0">
-                <a:latin typeface="Calibri" pitchFamily="34" charset="0"/>
-              </a:rPr>
-              <a:t> </a:t>
-            </a:r>
-            <a:endParaRPr lang="en-US" sz="2000" b="1" dirty="0" smtClean="0">
+              <a:rPr lang="en-US" b="1" dirty="0">
+                <a:latin typeface="Calibri" pitchFamily="34" charset="0"/>
+              </a:rPr>
+              <a:t> </a:t>
+            </a:r>
+            <a:endParaRPr lang="en-US" b="1" dirty="0" smtClean="0">
               <a:latin typeface="Calibri" pitchFamily="34" charset="0"/>
             </a:endParaRPr>
           </a:p>
@@ -2509,7 +2284,7 @@
         <p:spPr>
           <a:xfrm>
             <a:off x="4967536" y="3356992"/>
-            <a:ext cx="4176464" cy="2523768"/>
+            <a:ext cx="4176464" cy="2308324"/>
           </a:xfrm>
           <a:prstGeom prst="rect">
             <a:avLst/>
@@ -2523,19 +2298,19 @@
           <a:lstStyle/>
           <a:p>
             <a:r>
-              <a:rPr lang="en-US" sz="2000" dirty="0" smtClean="0">
+              <a:rPr lang="en-US" dirty="0" smtClean="0">
                 <a:latin typeface="Calibri" pitchFamily="34" charset="0"/>
               </a:rPr>
               <a:t>void </a:t>
             </a:r>
             <a:r>
-              <a:rPr lang="en-US" sz="2000" b="1" dirty="0" err="1" smtClean="0">
+              <a:rPr lang="en-US" b="1" dirty="0" err="1" smtClean="0">
                 <a:latin typeface="Calibri" pitchFamily="34" charset="0"/>
               </a:rPr>
               <a:t>preventDefault</a:t>
             </a:r>
             <a:r>
-              <a:rPr lang="en-US" sz="2000" b="1" dirty="0" smtClean="0">
+              <a:rPr lang="en-US" b="1" dirty="0" smtClean="0">
                 <a:latin typeface="Calibri" pitchFamily="34" charset="0"/>
               </a:rPr>
               <a:t>() </a:t>
@@ -2543,25 +2318,25 @@
           </a:p>
           <a:p>
             <a:r>
-              <a:rPr lang="en-US" sz="2000" dirty="0" err="1" smtClean="0">
+              <a:rPr lang="en-US" dirty="0" err="1" smtClean="0">
                 <a:latin typeface="Calibri" pitchFamily="34" charset="0"/>
               </a:rPr>
               <a:t>boolean</a:t>
             </a:r>
             <a:r>
-              <a:rPr lang="en-US" sz="2000" dirty="0" smtClean="0">
-                <a:latin typeface="Calibri" pitchFamily="34" charset="0"/>
-              </a:rPr>
-              <a:t> </a:t>
-            </a:r>
-            <a:r>
-              <a:rPr lang="en-US" sz="2000" b="1" dirty="0" err="1" smtClean="0">
+              <a:rPr lang="en-US" dirty="0" smtClean="0">
+                <a:latin typeface="Calibri" pitchFamily="34" charset="0"/>
+              </a:rPr>
+              <a:t> </a:t>
+            </a:r>
+            <a:r>
+              <a:rPr lang="en-US" b="1" dirty="0" err="1" smtClean="0">
                 <a:latin typeface="Calibri" pitchFamily="34" charset="0"/>
               </a:rPr>
               <a:t>isDefaultPrevented</a:t>
             </a:r>
             <a:r>
-              <a:rPr lang="en-US" sz="2000" b="1" dirty="0" smtClean="0">
+              <a:rPr lang="en-US" b="1" dirty="0" smtClean="0">
                 <a:latin typeface="Calibri" pitchFamily="34" charset="0"/>
               </a:rPr>
               <a:t>() </a:t>
@@ -2569,19 +2344,19 @@
           </a:p>
           <a:p>
             <a:r>
-              <a:rPr lang="en-US" sz="2000" dirty="0" smtClean="0">
+              <a:rPr lang="en-US" dirty="0" smtClean="0">
                 <a:latin typeface="Calibri" pitchFamily="34" charset="0"/>
               </a:rPr>
               <a:t>void </a:t>
             </a:r>
             <a:r>
-              <a:rPr lang="en-US" sz="2000" b="1" dirty="0" err="1" smtClean="0">
+              <a:rPr lang="en-US" b="1" dirty="0" err="1" smtClean="0">
                 <a:latin typeface="Calibri" pitchFamily="34" charset="0"/>
               </a:rPr>
               <a:t>stopPropagation</a:t>
             </a:r>
             <a:r>
-              <a:rPr lang="en-US" sz="2000" b="1" dirty="0" smtClean="0">
+              <a:rPr lang="en-US" b="1" dirty="0" smtClean="0">
                 <a:latin typeface="Calibri" pitchFamily="34" charset="0"/>
               </a:rPr>
               <a:t>() </a:t>
@@ -2589,25 +2364,25 @@
           </a:p>
           <a:p>
             <a:r>
-              <a:rPr lang="en-US" sz="2000" dirty="0" err="1" smtClean="0">
+              <a:rPr lang="en-US" dirty="0" err="1" smtClean="0">
                 <a:latin typeface="Calibri" pitchFamily="34" charset="0"/>
               </a:rPr>
               <a:t>boolean</a:t>
             </a:r>
             <a:r>
-              <a:rPr lang="en-US" sz="2000" dirty="0" smtClean="0">
-                <a:latin typeface="Calibri" pitchFamily="34" charset="0"/>
-              </a:rPr>
-              <a:t> </a:t>
-            </a:r>
-            <a:r>
-              <a:rPr lang="en-US" sz="2000" b="1" dirty="0" err="1" smtClean="0">
+              <a:rPr lang="en-US" dirty="0" smtClean="0">
+                <a:latin typeface="Calibri" pitchFamily="34" charset="0"/>
+              </a:rPr>
+              <a:t> </a:t>
+            </a:r>
+            <a:r>
+              <a:rPr lang="en-US" b="1" dirty="0" err="1" smtClean="0">
                 <a:latin typeface="Calibri" pitchFamily="34" charset="0"/>
               </a:rPr>
               <a:t>isPropagationStopped</a:t>
             </a:r>
             <a:r>
-              <a:rPr lang="en-US" sz="2000" b="1" dirty="0" smtClean="0">
+              <a:rPr lang="en-US" b="1" dirty="0" smtClean="0">
                 <a:latin typeface="Calibri" pitchFamily="34" charset="0"/>
               </a:rPr>
               <a:t>()</a:t>
@@ -2615,19 +2390,19 @@
           </a:p>
           <a:p>
             <a:r>
-              <a:rPr lang="en-US" sz="2000" dirty="0" err="1" smtClean="0">
+              <a:rPr lang="en-US" dirty="0" err="1" smtClean="0">
                 <a:latin typeface="Calibri" pitchFamily="34" charset="0"/>
               </a:rPr>
               <a:t>DOMEventTarget</a:t>
             </a:r>
             <a:r>
-              <a:rPr lang="en-US" sz="2000" dirty="0" smtClean="0">
-                <a:latin typeface="Calibri" pitchFamily="34" charset="0"/>
-              </a:rPr>
-              <a:t> </a:t>
-            </a:r>
-            <a:r>
-              <a:rPr lang="en-US" sz="2000" b="1" dirty="0" smtClean="0">
+              <a:rPr lang="en-US" dirty="0" smtClean="0">
+                <a:latin typeface="Calibri" pitchFamily="34" charset="0"/>
+              </a:rPr>
+              <a:t> </a:t>
+            </a:r>
+            <a:r>
+              <a:rPr lang="en-US" b="1" dirty="0" smtClean="0">
                 <a:latin typeface="Calibri" pitchFamily="34" charset="0"/>
               </a:rPr>
               <a:t>target </a:t>
@@ -2635,38 +2410,38 @@
           </a:p>
           <a:p>
             <a:r>
-              <a:rPr lang="en-US" sz="2000" dirty="0" smtClean="0">
+              <a:rPr lang="en-US" dirty="0" smtClean="0">
                 <a:latin typeface="Calibri" pitchFamily="34" charset="0"/>
               </a:rPr>
               <a:t>number </a:t>
             </a:r>
             <a:r>
-              <a:rPr lang="en-US" sz="2000" b="1" dirty="0" err="1" smtClean="0">
+              <a:rPr lang="en-US" b="1" dirty="0" err="1" smtClean="0">
                 <a:latin typeface="Calibri" pitchFamily="34" charset="0"/>
               </a:rPr>
               <a:t>timeStamp</a:t>
             </a:r>
             <a:r>
-              <a:rPr lang="en-US" sz="2000" b="1" dirty="0" smtClean="0">
-                <a:latin typeface="Calibri" pitchFamily="34" charset="0"/>
-              </a:rPr>
-              <a:t> </a:t>
-            </a:r>
-          </a:p>
-          <a:p>
-            <a:r>
-              <a:rPr lang="en-US" sz="2000" dirty="0" smtClean="0">
+              <a:rPr lang="en-US" b="1" dirty="0" smtClean="0">
+                <a:latin typeface="Calibri" pitchFamily="34" charset="0"/>
+              </a:rPr>
+              <a:t> </a:t>
+            </a:r>
+          </a:p>
+          <a:p>
+            <a:r>
+              <a:rPr lang="en-US" dirty="0" smtClean="0">
                 <a:latin typeface="Calibri" pitchFamily="34" charset="0"/>
               </a:rPr>
               <a:t>string</a:t>
             </a:r>
             <a:r>
-              <a:rPr lang="en-US" sz="2000" b="1" dirty="0" smtClean="0">
+              <a:rPr lang="en-US" b="1" dirty="0" smtClean="0">
                 <a:latin typeface="Calibri" pitchFamily="34" charset="0"/>
               </a:rPr>
               <a:t> type</a:t>
             </a:r>
-            <a:endParaRPr lang="uk-UA" sz="2000" b="1" dirty="0" smtClean="0">
+            <a:endParaRPr lang="uk-UA" b="1" dirty="0" smtClean="0">
               <a:latin typeface="Calibri" pitchFamily="34" charset="0"/>
             </a:endParaRPr>
           </a:p>
@@ -2718,26 +2493,14 @@
           <a:lstStyle/>
           <a:p>
             <a:r>
-              <a:rPr lang="uk-UA" dirty="0" smtClean="0"/>
-              <a:t>Об</a:t>
-            </a:r>
-            <a:r>
-              <a:rPr lang="ru-RU" dirty="0" err="1" smtClean="0"/>
-              <a:t>ъединение</a:t>
-            </a:r>
-            <a:r>
-              <a:rPr lang="ru-RU" dirty="0" smtClean="0"/>
-              <a:t> событий(</a:t>
-            </a:r>
-            <a:r>
-              <a:rPr lang="en-US" dirty="0" smtClean="0"/>
+              <a:rPr lang="en-US" dirty="0" smtClean="0">
+                <a:latin typeface="Calibri" pitchFamily="34" charset="0"/>
+              </a:rPr>
               <a:t>Event Pooling</a:t>
             </a:r>
-            <a:r>
-              <a:rPr lang="ru-RU" dirty="0" smtClean="0"/>
-              <a:t>)</a:t>
-            </a:r>
-            <a:endParaRPr lang="uk-UA" dirty="0"/>
+            <a:endParaRPr lang="uk-UA" dirty="0">
+              <a:latin typeface="Calibri" pitchFamily="34" charset="0"/>
+            </a:endParaRPr>
           </a:p>
         </p:txBody>
       </p:sp>
@@ -2749,8 +2512,8 @@
         </p:nvSpPr>
         <p:spPr>
           <a:xfrm>
-            <a:off x="1115616" y="1988840"/>
-            <a:ext cx="7056784" cy="3416320"/>
+            <a:off x="1115616" y="2492896"/>
+            <a:ext cx="7056784" cy="2031325"/>
           </a:xfrm>
           <a:prstGeom prst="rect">
             <a:avLst/>
@@ -2768,61 +2531,61 @@
               <a:buChar char="•"/>
             </a:pPr>
             <a:r>
-              <a:rPr lang="en-US" sz="2400" dirty="0" smtClean="0">
-                <a:latin typeface="Calibri" pitchFamily="34" charset="0"/>
-              </a:rPr>
-              <a:t> </a:t>
-            </a:r>
-            <a:r>
-              <a:rPr lang="ru-RU" sz="2400" dirty="0" smtClean="0">
+              <a:rPr lang="en-US" dirty="0" smtClean="0">
+                <a:latin typeface="Calibri" pitchFamily="34" charset="0"/>
+              </a:rPr>
+              <a:t> </a:t>
+            </a:r>
+            <a:r>
+              <a:rPr lang="ru-RU" dirty="0" smtClean="0">
                 <a:latin typeface="Calibri" pitchFamily="34" charset="0"/>
               </a:rPr>
               <a:t>Синтетическое событие участвует в объединении событий(</a:t>
             </a:r>
             <a:r>
-              <a:rPr lang="en-US" sz="2400" dirty="0" smtClean="0">
+              <a:rPr lang="en-US" dirty="0" smtClean="0">
                 <a:latin typeface="Calibri" pitchFamily="34" charset="0"/>
               </a:rPr>
               <a:t>Event pooling</a:t>
             </a:r>
             <a:r>
-              <a:rPr lang="ru-RU" sz="2400" dirty="0" smtClean="0">
+              <a:rPr lang="ru-RU" dirty="0" smtClean="0">
                 <a:latin typeface="Calibri" pitchFamily="34" charset="0"/>
               </a:rPr>
               <a:t>)</a:t>
             </a:r>
             <a:r>
-              <a:rPr lang="en-US" sz="2400" dirty="0" smtClean="0">
+              <a:rPr lang="en-US" dirty="0" smtClean="0">
                 <a:latin typeface="Calibri" pitchFamily="34" charset="0"/>
               </a:rPr>
               <a:t>. </a:t>
             </a:r>
             <a:r>
-              <a:rPr lang="ru-RU" sz="2400" dirty="0" smtClean="0">
+              <a:rPr lang="ru-RU" dirty="0" smtClean="0">
                 <a:latin typeface="Calibri" pitchFamily="34" charset="0"/>
               </a:rPr>
               <a:t>Это означает, что объект </a:t>
             </a:r>
             <a:r>
-              <a:rPr lang="en-US" sz="2400" dirty="0" smtClean="0">
+              <a:rPr lang="en-US" dirty="0" smtClean="0">
                 <a:latin typeface="Calibri" pitchFamily="34" charset="0"/>
               </a:rPr>
               <a:t>Synthetic Event </a:t>
             </a:r>
             <a:r>
-              <a:rPr lang="ru-RU" sz="2400" dirty="0" smtClean="0">
+              <a:rPr lang="ru-RU" dirty="0" smtClean="0">
                 <a:latin typeface="Calibri" pitchFamily="34" charset="0"/>
               </a:rPr>
               <a:t>будет использован многократно, а его свойства удалены после завершения выполнения </a:t>
             </a:r>
             <a:r>
-              <a:rPr lang="en-US" sz="2400" dirty="0" smtClean="0">
+              <a:rPr lang="en-US" dirty="0" smtClean="0">
                 <a:latin typeface="Calibri" pitchFamily="34" charset="0"/>
               </a:rPr>
               <a:t>callback-</a:t>
             </a:r>
             <a:r>
-              <a:rPr lang="ru-RU" sz="2400" dirty="0" smtClean="0">
+              <a:rPr lang="ru-RU" dirty="0" smtClean="0">
                 <a:latin typeface="Calibri" pitchFamily="34" charset="0"/>
               </a:rPr>
               <a:t>функции. </a:t>
@@ -2833,7 +2596,7 @@
               <a:buFont typeface="Arial" pitchFamily="34" charset="0"/>
               <a:buChar char="•"/>
             </a:pPr>
-            <a:endParaRPr lang="ru-RU" sz="2400" dirty="0">
+            <a:endParaRPr lang="ru-RU" dirty="0">
               <a:latin typeface="Calibri" pitchFamily="34" charset="0"/>
             </a:endParaRPr>
           </a:p>
@@ -2843,30 +2606,30 @@
               <a:buChar char="•"/>
             </a:pPr>
             <a:r>
-              <a:rPr lang="en-US" sz="2400" dirty="0" smtClean="0">
-                <a:latin typeface="Calibri" pitchFamily="34" charset="0"/>
-              </a:rPr>
-              <a:t> </a:t>
-            </a:r>
-            <a:r>
-              <a:rPr lang="ru-RU" sz="2400" dirty="0" smtClean="0">
+              <a:rPr lang="en-US" dirty="0" smtClean="0">
+                <a:latin typeface="Calibri" pitchFamily="34" charset="0"/>
+              </a:rPr>
+              <a:t> </a:t>
+            </a:r>
+            <a:r>
+              <a:rPr lang="ru-RU" dirty="0" smtClean="0">
                 <a:latin typeface="Calibri" pitchFamily="34" charset="0"/>
               </a:rPr>
               <a:t>Для асинхронного доступа к свойствам конкретного события следует использовать метод </a:t>
             </a:r>
             <a:r>
-              <a:rPr lang="en-US" sz="2400" dirty="0" err="1" smtClean="0">
+              <a:rPr lang="en-US" dirty="0" err="1" smtClean="0">
                 <a:latin typeface="Calibri" pitchFamily="34" charset="0"/>
               </a:rPr>
               <a:t>event.persist</a:t>
             </a:r>
             <a:r>
-              <a:rPr lang="en-US" sz="2400" dirty="0" smtClean="0">
+              <a:rPr lang="en-US" dirty="0" smtClean="0">
                 <a:latin typeface="Calibri" pitchFamily="34" charset="0"/>
               </a:rPr>
               <a:t>() </a:t>
             </a:r>
-            <a:endParaRPr lang="uk-UA" sz="2400" dirty="0">
+            <a:endParaRPr lang="uk-UA" dirty="0">
               <a:latin typeface="Calibri" pitchFamily="34" charset="0"/>
             </a:endParaRPr>
           </a:p>
@@ -2913,14 +2676,20 @@
           <a:lstStyle/>
           <a:p>
             <a:r>
-              <a:rPr lang="ru-RU" dirty="0" smtClean="0"/>
+              <a:rPr lang="ru-RU" dirty="0" smtClean="0">
+                <a:latin typeface="Calibri" pitchFamily="34" charset="0"/>
+              </a:rPr>
               <a:t>События </a:t>
             </a:r>
             <a:r>
-              <a:rPr lang="en-US" dirty="0" err="1" smtClean="0"/>
+              <a:rPr lang="en-US" dirty="0" err="1" smtClean="0">
+                <a:latin typeface="Calibri" pitchFamily="34" charset="0"/>
+              </a:rPr>
               <a:t>ReactJS</a:t>
             </a:r>
-            <a:endParaRPr lang="uk-UA" dirty="0"/>
+            <a:endParaRPr lang="uk-UA" dirty="0">
+              <a:latin typeface="Calibri" pitchFamily="34" charset="0"/>
+            </a:endParaRPr>
           </a:p>
         </p:txBody>
       </p:sp>
@@ -2932,8 +2701,8 @@
         </p:nvSpPr>
         <p:spPr>
           <a:xfrm>
-            <a:off x="971600" y="1988840"/>
-            <a:ext cx="7056784" cy="3693319"/>
+            <a:off x="1331640" y="2420888"/>
+            <a:ext cx="7056784" cy="2862322"/>
           </a:xfrm>
           <a:prstGeom prst="rect">
             <a:avLst/>
@@ -2951,105 +2720,105 @@
               <a:buChar char="•"/>
             </a:pPr>
             <a:r>
-              <a:rPr lang="en-US" sz="2400" dirty="0" smtClean="0">
-                <a:latin typeface="Calibri" pitchFamily="34" charset="0"/>
-              </a:rPr>
-              <a:t> </a:t>
-            </a:r>
-            <a:r>
-              <a:rPr lang="ru-RU" sz="2400" dirty="0" smtClean="0">
+              <a:rPr lang="en-US" dirty="0" smtClean="0">
+                <a:latin typeface="Calibri" pitchFamily="34" charset="0"/>
+              </a:rPr>
+              <a:t> </a:t>
+            </a:r>
+            <a:r>
+              <a:rPr lang="ru-RU" dirty="0" smtClean="0">
                 <a:latin typeface="Calibri" pitchFamily="34" charset="0"/>
               </a:rPr>
               <a:t>Назначение обработчика события</a:t>
             </a:r>
             <a:r>
-              <a:rPr lang="en-US" sz="2400" dirty="0">
-                <a:latin typeface="Calibri" pitchFamily="34" charset="0"/>
-              </a:rPr>
-              <a:t> </a:t>
-            </a:r>
-            <a:r>
-              <a:rPr lang="ru-RU" sz="2400" dirty="0" smtClean="0">
+              <a:rPr lang="en-US" dirty="0">
+                <a:latin typeface="Calibri" pitchFamily="34" charset="0"/>
+              </a:rPr>
+              <a:t> </a:t>
+            </a:r>
+            <a:r>
+              <a:rPr lang="ru-RU" dirty="0" smtClean="0">
                 <a:latin typeface="Calibri" pitchFamily="34" charset="0"/>
               </a:rPr>
               <a:t>для обработки события на этапе всплытия</a:t>
             </a:r>
             <a:r>
-              <a:rPr lang="en-US" sz="2400" dirty="0" smtClean="0">
+              <a:rPr lang="en-US" dirty="0" smtClean="0">
                 <a:latin typeface="Calibri" pitchFamily="34" charset="0"/>
               </a:rPr>
               <a:t>(bubbling phase):  </a:t>
             </a:r>
           </a:p>
           <a:p>
-            <a:endParaRPr lang="en-US" sz="2400" dirty="0">
+            <a:endParaRPr lang="en-US" dirty="0">
               <a:latin typeface="Calibri" pitchFamily="34" charset="0"/>
             </a:endParaRPr>
           </a:p>
           <a:p>
             <a:r>
-              <a:rPr lang="en-US" sz="2400" dirty="0" smtClean="0">
+              <a:rPr lang="en-US" dirty="0" smtClean="0">
                 <a:latin typeface="Calibri" pitchFamily="34" charset="0"/>
               </a:rPr>
               <a:t>&lt;</a:t>
             </a:r>
             <a:r>
-              <a:rPr lang="en-US" sz="2400" dirty="0" err="1" smtClean="0">
+              <a:rPr lang="en-US" dirty="0" err="1" smtClean="0">
                 <a:latin typeface="Calibri" pitchFamily="34" charset="0"/>
               </a:rPr>
               <a:t>elem</a:t>
             </a:r>
             <a:r>
-              <a:rPr lang="en-US" sz="2400" dirty="0" smtClean="0">
-                <a:latin typeface="Calibri" pitchFamily="34" charset="0"/>
-              </a:rPr>
-              <a:t> </a:t>
-            </a:r>
-            <a:r>
-              <a:rPr lang="en-US" sz="2400" dirty="0" err="1" smtClean="0">
+              <a:rPr lang="en-US" dirty="0" smtClean="0">
+                <a:latin typeface="Calibri" pitchFamily="34" charset="0"/>
+              </a:rPr>
+              <a:t> </a:t>
+            </a:r>
+            <a:r>
+              <a:rPr lang="en-US" dirty="0" err="1" smtClean="0">
                 <a:latin typeface="Calibri" pitchFamily="34" charset="0"/>
               </a:rPr>
               <a:t>on</a:t>
             </a:r>
             <a:r>
-              <a:rPr lang="en-US" sz="2400" b="1" dirty="0" err="1" smtClean="0">
+              <a:rPr lang="en-US" b="1" dirty="0" err="1" smtClean="0">
                 <a:latin typeface="Calibri" pitchFamily="34" charset="0"/>
               </a:rPr>
               <a:t>Event</a:t>
             </a:r>
             <a:r>
-              <a:rPr lang="en-US" sz="2400" dirty="0" smtClean="0">
+              <a:rPr lang="en-US" dirty="0" smtClean="0">
                 <a:latin typeface="Calibri" pitchFamily="34" charset="0"/>
               </a:rPr>
               <a:t>={</a:t>
             </a:r>
             <a:r>
-              <a:rPr lang="en-US" sz="2400" dirty="0" err="1" smtClean="0">
+              <a:rPr lang="en-US" dirty="0" err="1" smtClean="0">
                 <a:latin typeface="Calibri" pitchFamily="34" charset="0"/>
               </a:rPr>
               <a:t>eventHandler</a:t>
             </a:r>
             <a:r>
-              <a:rPr lang="en-US" sz="2400" dirty="0" smtClean="0">
+              <a:rPr lang="en-US" dirty="0" smtClean="0">
                 <a:latin typeface="Calibri" pitchFamily="34" charset="0"/>
               </a:rPr>
               <a:t>}</a:t>
             </a:r>
             <a:r>
-              <a:rPr lang="en-US" sz="2400" b="1" dirty="0" smtClean="0">
-                <a:latin typeface="Calibri" pitchFamily="34" charset="0"/>
-              </a:rPr>
-              <a:t> </a:t>
-            </a:r>
-            <a:r>
-              <a:rPr lang="en-US" sz="2400" dirty="0" smtClean="0">
+              <a:rPr lang="en-US" b="1" dirty="0" smtClean="0">
+                <a:latin typeface="Calibri" pitchFamily="34" charset="0"/>
+              </a:rPr>
+              <a:t> </a:t>
+            </a:r>
+            <a:r>
+              <a:rPr lang="en-US" dirty="0" smtClean="0">
                 <a:latin typeface="Calibri" pitchFamily="34" charset="0"/>
               </a:rPr>
               <a:t>/&gt;  </a:t>
             </a:r>
           </a:p>
           <a:p>
-            <a:endParaRPr lang="en-US" sz="2400" dirty="0">
+            <a:endParaRPr lang="en-US" dirty="0">
               <a:latin typeface="Calibri" pitchFamily="34" charset="0"/>
             </a:endParaRPr>
           </a:p>
@@ -3059,80 +2828,80 @@
               <a:buChar char="•"/>
             </a:pPr>
             <a:r>
-              <a:rPr lang="en-US" sz="2400" dirty="0" smtClean="0">
-                <a:latin typeface="Calibri" pitchFamily="34" charset="0"/>
-              </a:rPr>
-              <a:t> </a:t>
-            </a:r>
-            <a:r>
-              <a:rPr lang="ru-RU" sz="2400" dirty="0" smtClean="0">
+              <a:rPr lang="en-US" dirty="0" smtClean="0">
+                <a:latin typeface="Calibri" pitchFamily="34" charset="0"/>
+              </a:rPr>
+              <a:t> </a:t>
+            </a:r>
+            <a:r>
+              <a:rPr lang="ru-RU" dirty="0" smtClean="0">
                 <a:latin typeface="Calibri" pitchFamily="34" charset="0"/>
               </a:rPr>
               <a:t>Назначение обработчика события для обработки на этапе перехвата</a:t>
             </a:r>
             <a:r>
-              <a:rPr lang="en-US" sz="2400" dirty="0" smtClean="0">
+              <a:rPr lang="en-US" dirty="0" smtClean="0">
                 <a:latin typeface="Calibri" pitchFamily="34" charset="0"/>
               </a:rPr>
               <a:t>(capturing phase):  </a:t>
             </a:r>
           </a:p>
           <a:p>
-            <a:endParaRPr lang="en-US" sz="2400" dirty="0">
+            <a:endParaRPr lang="en-US" dirty="0">
               <a:latin typeface="Calibri" pitchFamily="34" charset="0"/>
             </a:endParaRPr>
           </a:p>
           <a:p>
             <a:r>
-              <a:rPr lang="en-US" sz="2400" dirty="0" smtClean="0">
+              <a:rPr lang="en-US" dirty="0" smtClean="0">
                 <a:latin typeface="Calibri" pitchFamily="34" charset="0"/>
               </a:rPr>
               <a:t>&lt;</a:t>
             </a:r>
             <a:r>
-              <a:rPr lang="en-US" sz="2400" dirty="0" err="1" smtClean="0">
+              <a:rPr lang="en-US" dirty="0" err="1" smtClean="0">
                 <a:latin typeface="Calibri" pitchFamily="34" charset="0"/>
               </a:rPr>
               <a:t>elem</a:t>
             </a:r>
             <a:r>
-              <a:rPr lang="en-US" sz="2400" dirty="0" smtClean="0">
-                <a:latin typeface="Calibri" pitchFamily="34" charset="0"/>
-              </a:rPr>
-              <a:t> </a:t>
-            </a:r>
-            <a:r>
-              <a:rPr lang="en-US" sz="2400" dirty="0" err="1" smtClean="0">
+              <a:rPr lang="en-US" dirty="0" smtClean="0">
+                <a:latin typeface="Calibri" pitchFamily="34" charset="0"/>
+              </a:rPr>
+              <a:t> </a:t>
+            </a:r>
+            <a:r>
+              <a:rPr lang="en-US" dirty="0" err="1" smtClean="0">
                 <a:latin typeface="Calibri" pitchFamily="34" charset="0"/>
               </a:rPr>
               <a:t>on</a:t>
             </a:r>
             <a:r>
-              <a:rPr lang="en-US" sz="2400" b="1" dirty="0" err="1" smtClean="0">
+              <a:rPr lang="en-US" b="1" dirty="0" err="1" smtClean="0">
                 <a:latin typeface="Calibri" pitchFamily="34" charset="0"/>
               </a:rPr>
               <a:t>Event</a:t>
             </a:r>
             <a:r>
-              <a:rPr lang="en-US" sz="2400" dirty="0" err="1" smtClean="0">
+              <a:rPr lang="en-US" dirty="0" err="1" smtClean="0">
                 <a:latin typeface="Calibri" pitchFamily="34" charset="0"/>
               </a:rPr>
               <a:t>Capture</a:t>
             </a:r>
             <a:r>
-              <a:rPr lang="en-US" sz="2400" dirty="0" smtClean="0">
+              <a:rPr lang="en-US" dirty="0" smtClean="0">
                 <a:latin typeface="Calibri" pitchFamily="34" charset="0"/>
               </a:rPr>
               <a:t>={</a:t>
             </a:r>
             <a:r>
-              <a:rPr lang="en-US" sz="2400" dirty="0" err="1" smtClean="0">
+              <a:rPr lang="en-US" dirty="0" err="1" smtClean="0">
                 <a:latin typeface="Calibri" pitchFamily="34" charset="0"/>
               </a:rPr>
               <a:t>eventHandler</a:t>
             </a:r>
             <a:r>
-              <a:rPr lang="en-US" sz="2400" dirty="0" smtClean="0">
+              <a:rPr lang="en-US" dirty="0" smtClean="0">
                 <a:latin typeface="Calibri" pitchFamily="34" charset="0"/>
               </a:rPr>
               <a:t>} /&gt;</a:t>
@@ -3184,19 +2953,19 @@
           <a:lstStyle/>
           <a:p>
             <a:r>
-              <a:rPr lang="ru-RU" dirty="0" smtClean="0"/>
-              <a:t>События</a:t>
-            </a:r>
-            <a:r>
-              <a:rPr lang="ru-RU" sz="2400" dirty="0" smtClean="0"/>
-              <a:t> </a:t>
-            </a:r>
-            <a:r>
-              <a:rPr lang="en-US" dirty="0" err="1" smtClean="0"/>
+              <a:rPr lang="ru-RU" sz="2800" dirty="0" smtClean="0">
+                <a:latin typeface="Calibri" pitchFamily="34" charset="0"/>
+              </a:rPr>
+              <a:t>События </a:t>
+            </a:r>
+            <a:r>
+              <a:rPr lang="en-US" sz="2800" dirty="0" err="1" smtClean="0">
+                <a:latin typeface="Calibri" pitchFamily="34" charset="0"/>
+              </a:rPr>
               <a:t>ReactJS</a:t>
             </a:r>
-            <a:endParaRPr lang="uk-UA" dirty="0">
-              <a:latin typeface="+mn-lt"/>
+            <a:endParaRPr lang="uk-UA" sz="2800" dirty="0">
+              <a:latin typeface="Calibri" pitchFamily="34" charset="0"/>
             </a:endParaRPr>
           </a:p>
         </p:txBody>
@@ -3644,16 +3413,22 @@
           <a:lstStyle/>
           <a:p>
             <a:r>
-              <a:rPr lang="ru-RU" dirty="0" smtClean="0"/>
+              <a:rPr lang="ru-RU" dirty="0" smtClean="0">
+                <a:latin typeface="Calibri" pitchFamily="34" charset="0"/>
+              </a:rPr>
               <a:t>События выделения</a:t>
             </a:r>
             <a:r>
-              <a:rPr lang="en-US" dirty="0" smtClean="0"/>
+              <a:rPr lang="en-US" dirty="0" smtClean="0">
+                <a:latin typeface="Calibri" pitchFamily="34" charset="0"/>
+              </a:rPr>
               <a:t>: </a:t>
             </a:r>
           </a:p>
           <a:p>
-            <a:endParaRPr lang="en-US" dirty="0"/>
+            <a:endParaRPr lang="en-US" dirty="0">
+              <a:latin typeface="Calibri" pitchFamily="34" charset="0"/>
+            </a:endParaRPr>
           </a:p>
           <a:p>
             <a:pPr>
@@ -3661,10 +3436,14 @@
               <a:buChar char="•"/>
             </a:pPr>
             <a:r>
-              <a:rPr lang="en-US" b="1" dirty="0" smtClean="0"/>
+              <a:rPr lang="en-US" b="1" dirty="0" smtClean="0">
+                <a:latin typeface="Calibri" pitchFamily="34" charset="0"/>
+              </a:rPr>
               <a:t> onSelect</a:t>
             </a:r>
-            <a:endParaRPr lang="uk-UA" b="1" dirty="0"/>
+            <a:endParaRPr lang="uk-UA" b="1" dirty="0">
+              <a:latin typeface="Calibri" pitchFamily="34" charset="0"/>
+            </a:endParaRPr>
           </a:p>
         </p:txBody>
       </p:sp>
@@ -3691,20 +3470,28 @@
           <a:lstStyle/>
           <a:p>
             <a:r>
-              <a:rPr lang="en-US" dirty="0" smtClean="0"/>
+              <a:rPr lang="en-US" dirty="0" smtClean="0">
+                <a:latin typeface="Calibri" pitchFamily="34" charset="0"/>
+              </a:rPr>
               <a:t>UI </a:t>
             </a:r>
             <a:r>
-              <a:rPr lang="ru-RU" dirty="0" smtClean="0"/>
+              <a:rPr lang="ru-RU" dirty="0" smtClean="0">
+                <a:latin typeface="Calibri" pitchFamily="34" charset="0"/>
+              </a:rPr>
               <a:t>события</a:t>
             </a:r>
             <a:r>
-              <a:rPr lang="en-US" dirty="0" smtClean="0"/>
+              <a:rPr lang="en-US" dirty="0" smtClean="0">
+                <a:latin typeface="Calibri" pitchFamily="34" charset="0"/>
+              </a:rPr>
               <a:t>: </a:t>
             </a:r>
           </a:p>
           <a:p>
-            <a:endParaRPr lang="en-US" dirty="0"/>
+            <a:endParaRPr lang="en-US" dirty="0">
+              <a:latin typeface="Calibri" pitchFamily="34" charset="0"/>
+            </a:endParaRPr>
           </a:p>
           <a:p>
             <a:pPr>
@@ -3712,7 +3499,9 @@
               <a:buChar char="•"/>
             </a:pPr>
             <a:r>
-              <a:rPr lang="en-US" b="1" dirty="0" smtClean="0"/>
+              <a:rPr lang="en-US" b="1" dirty="0" smtClean="0">
+                <a:latin typeface="Calibri" pitchFamily="34" charset="0"/>
+              </a:rPr>
               <a:t> onScroll</a:t>
             </a:r>
           </a:p>
@@ -3759,14 +3548,20 @@
           <a:lstStyle/>
           <a:p>
             <a:r>
-              <a:rPr lang="ru-RU" dirty="0" smtClean="0"/>
+              <a:rPr lang="ru-RU" dirty="0" smtClean="0">
+                <a:latin typeface="Calibri" pitchFamily="34" charset="0"/>
+              </a:rPr>
               <a:t>События </a:t>
             </a:r>
             <a:r>
-              <a:rPr lang="en-US" dirty="0" err="1" smtClean="0"/>
+              <a:rPr lang="en-US" dirty="0" err="1" smtClean="0">
+                <a:latin typeface="Calibri" pitchFamily="34" charset="0"/>
+              </a:rPr>
               <a:t>ReactJS</a:t>
             </a:r>
-            <a:endParaRPr lang="uk-UA" dirty="0"/>
+            <a:endParaRPr lang="uk-UA" dirty="0">
+              <a:latin typeface="Calibri" pitchFamily="34" charset="0"/>
+            </a:endParaRPr>
           </a:p>
         </p:txBody>
       </p:sp>
@@ -3779,7 +3574,7 @@
         <p:spPr>
           <a:xfrm>
             <a:off x="1475656" y="1628800"/>
-            <a:ext cx="6336704" cy="461665"/>
+            <a:ext cx="6336704" cy="400110"/>
           </a:xfrm>
           <a:prstGeom prst="rect">
             <a:avLst/>
@@ -3793,18 +3588,18 @@
           <a:lstStyle/>
           <a:p>
             <a:r>
-              <a:rPr lang="ru-RU" sz="2400" dirty="0" smtClean="0">
+              <a:rPr lang="ru-RU" sz="2000" dirty="0" smtClean="0">
                 <a:latin typeface="Calibri" pitchFamily="34" charset="0"/>
               </a:rPr>
               <a:t>Пример обработчика события</a:t>
             </a:r>
             <a:r>
-              <a:rPr lang="en-US" sz="2400" dirty="0" smtClean="0">
+              <a:rPr lang="en-US" sz="2000" dirty="0" smtClean="0">
                 <a:latin typeface="Calibri" pitchFamily="34" charset="0"/>
               </a:rPr>
               <a:t>: </a:t>
             </a:r>
-            <a:endParaRPr lang="uk-UA" sz="2400" dirty="0">
+            <a:endParaRPr lang="uk-UA" sz="2000" dirty="0">
               <a:latin typeface="Calibri" pitchFamily="34" charset="0"/>
             </a:endParaRPr>
           </a:p>
@@ -3846,104 +3641,152 @@
           <a:lstStyle/>
           <a:p>
             <a:r>
-              <a:rPr lang="en-US" dirty="0" err="1" smtClean="0"/>
+              <a:rPr lang="en-US" dirty="0" err="1" smtClean="0">
+                <a:latin typeface="Calibri" pitchFamily="34" charset="0"/>
+              </a:rPr>
               <a:t>var</a:t>
             </a:r>
             <a:r>
-              <a:rPr lang="en-US" dirty="0" smtClean="0"/>
+              <a:rPr lang="en-US" dirty="0" smtClean="0">
+                <a:latin typeface="Calibri" pitchFamily="34" charset="0"/>
+              </a:rPr>
               <a:t> Demo = </a:t>
             </a:r>
             <a:r>
-              <a:rPr lang="en-US" dirty="0" err="1" smtClean="0"/>
+              <a:rPr lang="en-US" dirty="0" err="1" smtClean="0">
+                <a:latin typeface="Calibri" pitchFamily="34" charset="0"/>
+              </a:rPr>
               <a:t>React.createClass</a:t>
             </a:r>
             <a:r>
-              <a:rPr lang="en-US" dirty="0" smtClean="0"/>
+              <a:rPr lang="en-US" dirty="0" smtClean="0">
+                <a:latin typeface="Calibri" pitchFamily="34" charset="0"/>
+              </a:rPr>
               <a:t>({ </a:t>
             </a:r>
           </a:p>
           <a:p>
-            <a:endParaRPr lang="en-US" dirty="0"/>
-          </a:p>
-          <a:p>
-            <a:r>
-              <a:rPr lang="en-US" dirty="0" smtClean="0"/>
+            <a:endParaRPr lang="en-US" dirty="0">
+              <a:latin typeface="Calibri" pitchFamily="34" charset="0"/>
+            </a:endParaRPr>
+          </a:p>
+          <a:p>
+            <a:r>
+              <a:rPr lang="en-US" dirty="0" smtClean="0">
+                <a:latin typeface="Calibri" pitchFamily="34" charset="0"/>
+              </a:rPr>
               <a:t>	</a:t>
             </a:r>
             <a:r>
-              <a:rPr lang="en-US" b="1" dirty="0" err="1" smtClean="0"/>
+              <a:rPr lang="en-US" b="1" dirty="0" err="1" smtClean="0">
+                <a:latin typeface="Calibri" pitchFamily="34" charset="0"/>
+              </a:rPr>
               <a:t>clickHandler</a:t>
             </a:r>
             <a:r>
-              <a:rPr lang="en-US" dirty="0" smtClean="0"/>
+              <a:rPr lang="en-US" dirty="0" smtClean="0">
+                <a:latin typeface="Calibri" pitchFamily="34" charset="0"/>
+              </a:rPr>
               <a:t>: function(e) {</a:t>
             </a:r>
           </a:p>
           <a:p>
             <a:r>
-              <a:rPr lang="en-US" dirty="0" smtClean="0"/>
+              <a:rPr lang="en-US" dirty="0" smtClean="0">
+                <a:latin typeface="Calibri" pitchFamily="34" charset="0"/>
+              </a:rPr>
               <a:t>		alert(‘You clicked a button!’); </a:t>
             </a:r>
           </a:p>
           <a:p>
             <a:r>
-              <a:rPr lang="en-US" dirty="0"/>
+              <a:rPr lang="en-US" dirty="0">
+                <a:latin typeface="Calibri" pitchFamily="34" charset="0"/>
+              </a:rPr>
               <a:t>	</a:t>
             </a:r>
             <a:r>
-              <a:rPr lang="en-US" dirty="0" smtClean="0"/>
+              <a:rPr lang="en-US" dirty="0" smtClean="0">
+                <a:latin typeface="Calibri" pitchFamily="34" charset="0"/>
+              </a:rPr>
               <a:t>	console.log(e); </a:t>
             </a:r>
-            <a:endParaRPr lang="en-US" dirty="0"/>
-          </a:p>
-          <a:p>
-            <a:r>
-              <a:rPr lang="en-US" dirty="0" smtClean="0"/>
+            <a:endParaRPr lang="en-US" dirty="0">
+              <a:latin typeface="Calibri" pitchFamily="34" charset="0"/>
+            </a:endParaRPr>
+          </a:p>
+          <a:p>
+            <a:r>
+              <a:rPr lang="en-US" dirty="0" smtClean="0">
+                <a:latin typeface="Calibri" pitchFamily="34" charset="0"/>
+              </a:rPr>
               <a:t>	}, </a:t>
             </a:r>
           </a:p>
           <a:p>
             <a:r>
-              <a:rPr lang="en-US" dirty="0" smtClean="0"/>
+              <a:rPr lang="en-US" dirty="0" smtClean="0">
+                <a:latin typeface="Calibri" pitchFamily="34" charset="0"/>
+              </a:rPr>
               <a:t>	render: function() {</a:t>
             </a:r>
           </a:p>
           <a:p>
             <a:r>
-              <a:rPr lang="en-US" dirty="0" smtClean="0"/>
+              <a:rPr lang="en-US" dirty="0" smtClean="0">
+                <a:latin typeface="Calibri" pitchFamily="34" charset="0"/>
+              </a:rPr>
               <a:t>		return &lt;button </a:t>
             </a:r>
             <a:r>
-              <a:rPr lang="en-US" b="1" dirty="0" smtClean="0"/>
+              <a:rPr lang="en-US" b="1" dirty="0" smtClean="0">
+                <a:latin typeface="Calibri" pitchFamily="34" charset="0"/>
+              </a:rPr>
               <a:t>onClick={</a:t>
             </a:r>
             <a:r>
-              <a:rPr lang="en-US" b="1" dirty="0" err="1" smtClean="0"/>
+              <a:rPr lang="en-US" b="1" dirty="0" err="1" smtClean="0">
+                <a:latin typeface="Calibri" pitchFamily="34" charset="0"/>
+              </a:rPr>
               <a:t>this.clickHandler</a:t>
             </a:r>
             <a:r>
-              <a:rPr lang="en-US" b="1" dirty="0" smtClean="0"/>
+              <a:rPr lang="en-US" b="1" dirty="0" smtClean="0">
+                <a:latin typeface="Calibri" pitchFamily="34" charset="0"/>
+              </a:rPr>
               <a:t>}</a:t>
             </a:r>
             <a:r>
-              <a:rPr lang="en-US" dirty="0" smtClean="0"/>
+              <a:rPr lang="en-US" dirty="0" smtClean="0">
+                <a:latin typeface="Calibri" pitchFamily="34" charset="0"/>
+              </a:rPr>
               <a:t>&gt;Click me!&lt;/button&gt;</a:t>
             </a:r>
-            <a:endParaRPr lang="en-US" dirty="0"/>
-          </a:p>
-          <a:p>
-            <a:r>
-              <a:rPr lang="en-US" dirty="0" smtClean="0"/>
+            <a:endParaRPr lang="en-US" dirty="0">
+              <a:latin typeface="Calibri" pitchFamily="34" charset="0"/>
+            </a:endParaRPr>
+          </a:p>
+          <a:p>
+            <a:r>
+              <a:rPr lang="en-US" dirty="0" smtClean="0">
+                <a:latin typeface="Calibri" pitchFamily="34" charset="0"/>
+              </a:rPr>
               <a:t>	}</a:t>
             </a:r>
-            <a:endParaRPr lang="en-US" dirty="0"/>
-          </a:p>
-          <a:p>
-            <a:r>
-              <a:rPr lang="en-US" dirty="0" smtClean="0"/>
+            <a:endParaRPr lang="en-US" dirty="0">
+              <a:latin typeface="Calibri" pitchFamily="34" charset="0"/>
+            </a:endParaRPr>
+          </a:p>
+          <a:p>
+            <a:r>
+              <a:rPr lang="en-US" dirty="0" smtClean="0">
+                <a:latin typeface="Calibri" pitchFamily="34" charset="0"/>
+              </a:rPr>
               <a:t>})</a:t>
             </a:r>
-            <a:endParaRPr lang="uk-UA" dirty="0"/>
+            <a:endParaRPr lang="uk-UA" dirty="0">
+              <a:latin typeface="Calibri" pitchFamily="34" charset="0"/>
+            </a:endParaRPr>
           </a:p>
         </p:txBody>
       </p:sp>
